--- a/Presentation/Xamarin.pptx
+++ b/Presentation/Xamarin.pptx
@@ -3704,7 +3704,12 @@
             <p:ph idx="1"/>
           </p:nvPr>
         </p:nvSpPr>
-        <p:spPr/>
+        <p:spPr>
+          <a:xfrm>
+            <a:off x="457200" y="1600200"/>
+            <a:ext cx="8458200" cy="5105400"/>
+          </a:xfrm>
+        </p:spPr>
         <p:txBody>
           <a:bodyPr/>
           <a:lstStyle/>
@@ -3719,7 +3724,51 @@
             </a:r>
             <a:r>
               <a:rPr lang="ru-RU" dirty="0" smtClean="0"/>
-              <a:t> примера глянуть:</a:t>
+              <a:t> примера </a:t>
+            </a:r>
+            <a:r>
+              <a:rPr lang="ru-RU" dirty="0" smtClean="0"/>
+              <a:t>глянуть творение просто </a:t>
+            </a:r>
+            <a:r>
+              <a:rPr lang="ru-RU" dirty="0"/>
+              <a:t>и</a:t>
+            </a:r>
+            <a:r>
+              <a:rPr lang="ru-RU" dirty="0" smtClean="0"/>
+              <a:t> классного дедушки гуру-</a:t>
+            </a:r>
+            <a:r>
+              <a:rPr lang="en-US" dirty="0" err="1" smtClean="0"/>
+              <a:t>wpf</a:t>
+            </a:r>
+            <a:r>
+              <a:rPr lang="en-US" dirty="0" smtClean="0"/>
+              <a:t> </a:t>
+            </a:r>
+            <a:r>
+              <a:rPr lang="ru-RU" dirty="0" smtClean="0"/>
+              <a:t>разработки, - </a:t>
+            </a:r>
+            <a:r>
+              <a:rPr lang="en-US" dirty="0"/>
+              <a:t>Charles </a:t>
+            </a:r>
+            <a:r>
+              <a:rPr lang="en-US" dirty="0" err="1" smtClean="0"/>
+              <a:t>Petzold</a:t>
+            </a:r>
+            <a:r>
+              <a:rPr lang="en-US" dirty="0" smtClean="0"/>
+              <a:t>-</a:t>
+            </a:r>
+            <a:r>
+              <a:rPr lang="ru-RU" dirty="0"/>
+              <a:t>а</a:t>
+            </a:r>
+            <a:r>
+              <a:rPr lang="ru-RU" dirty="0" smtClean="0"/>
+              <a:t>:</a:t>
             </a:r>
             <a:endParaRPr lang="ru-RU" dirty="0"/>
           </a:p>
@@ -3748,8 +3797,8 @@
         </p:blipFill>
         <p:spPr bwMode="auto">
           <a:xfrm>
-            <a:off x="554182" y="2286000"/>
-            <a:ext cx="1884218" cy="3669105"/>
+            <a:off x="1379201" y="3048001"/>
+            <a:ext cx="1703787" cy="3317754"/>
           </a:xfrm>
           <a:prstGeom prst="rect">
             <a:avLst/>
@@ -3789,8 +3838,8 @@
         </p:blipFill>
         <p:spPr bwMode="auto">
           <a:xfrm>
-            <a:off x="2567710" y="2286000"/>
-            <a:ext cx="1809360" cy="3687351"/>
+            <a:off x="3405910" y="3073667"/>
+            <a:ext cx="1624732" cy="3311091"/>
           </a:xfrm>
           <a:prstGeom prst="rect">
             <a:avLst/>
@@ -3830,8 +3879,8 @@
         </p:blipFill>
         <p:spPr bwMode="auto">
           <a:xfrm>
-            <a:off x="4495800" y="2260333"/>
-            <a:ext cx="2095933" cy="3733800"/>
+            <a:off x="5334001" y="3048000"/>
+            <a:ext cx="1882062" cy="3352800"/>
           </a:xfrm>
           <a:prstGeom prst="rect">
             <a:avLst/>
@@ -4100,15 +4149,7 @@
             </a:r>
             <a:r>
               <a:rPr lang="ru-RU" sz="1600" dirty="0" smtClean="0"/>
-              <a:t>, но после установки </a:t>
-            </a:r>
-            <a:r>
-              <a:rPr lang="ru-RU" sz="1600" dirty="0" smtClean="0"/>
-              <a:t>плагина  </a:t>
-            </a:r>
-            <a:r>
-              <a:rPr lang="ru-RU" sz="1600" dirty="0" smtClean="0"/>
-              <a:t>по бизнес лицензии (999</a:t>
+              <a:t>, но после установки плагина  по бизнес лицензии (999</a:t>
             </a:r>
             <a:r>
               <a:rPr lang="en-US" sz="1600" dirty="0" smtClean="0"/>
@@ -5706,11 +5747,7 @@
             </a:r>
             <a:r>
               <a:rPr lang="ru-RU" dirty="0" smtClean="0"/>
-              <a:t>Данный проект предлагается, как отправная точка практического ознакомления с </a:t>
-            </a:r>
-            <a:r>
-              <a:rPr lang="ru-RU" dirty="0" smtClean="0"/>
-              <a:t>технологией</a:t>
+              <a:t>Данный проект предлагается, как отправная точка практического ознакомления с технологией</a:t>
             </a:r>
             <a:endParaRPr lang="en-US" dirty="0" smtClean="0"/>
           </a:p>
